--- a/doc/resume.pptx
+++ b/doc/resume.pptx
@@ -5094,7 +5094,7 @@
         <p:spPr>
           <a:xfrm>
             <a:off x="2028724" y="9526055"/>
-            <a:ext cx="2728632" cy="215444"/>
+            <a:ext cx="2965450" cy="213995"/>
           </a:xfrm>
           <a:prstGeom prst="rect">
             <a:avLst/>
@@ -5107,6 +5107,7 @@
           </a:bodyPr>
           <a:lstStyle/>
           <a:p>
+            <a:pPr algn="l"/>
             <a:r>
               <a:rPr lang="zh-CN" altLang="en-US" sz="800" dirty="0" smtClean="0">
                 <a:latin typeface="微软雅黑" panose="020B0503020204020204" pitchFamily="34" charset="-122"/>
@@ -5120,17 +5121,16 @@
                 <a:ea typeface="微软雅黑" panose="020B0503020204020204" pitchFamily="34" charset="-122"/>
                 <a:hlinkClick r:id="rId2"/>
               </a:rPr>
-              <a:t>https</a:t>
-            </a:r>
-            <a:r>
-              <a:rPr lang="en-US" altLang="zh-CN" sz="800" dirty="0" smtClean="0">
-                <a:latin typeface="微软雅黑" panose="020B0503020204020204" pitchFamily="34" charset="-122"/>
-                <a:ea typeface="微软雅黑" panose="020B0503020204020204" pitchFamily="34" charset="-122"/>
-                <a:hlinkClick r:id="rId2"/>
-              </a:rPr>
-              <a:t>://IridescentMia.github.io/resume/</a:t>
-            </a:r>
-            <a:endParaRPr lang="en-US" altLang="zh-CN" sz="800" dirty="0" smtClean="0">
+              <a:t>https://gl09025.github.io/resume/</a:t>
+            </a:r>
+            <a:r>
+              <a:rPr lang="en-US" altLang="zh-CN" sz="800" u="sng" dirty="0">
+                <a:latin typeface="微软雅黑" panose="020B0503020204020204" pitchFamily="34" charset="-122"/>
+                <a:ea typeface="微软雅黑" panose="020B0503020204020204" pitchFamily="34" charset="-122"/>
+              </a:rPr>
+              <a:t>index.html</a:t>
+            </a:r>
+            <a:endParaRPr lang="en-US" altLang="zh-CN" sz="800" u="sng" dirty="0">
               <a:latin typeface="微软雅黑" panose="020B0503020204020204" pitchFamily="34" charset="-122"/>
               <a:ea typeface="微软雅黑" panose="020B0503020204020204" pitchFamily="34" charset="-122"/>
             </a:endParaRPr>
@@ -5263,7 +5263,7 @@
                 <a:rPr sz="1050" b="1">
                   <a:latin typeface="微软雅黑" panose="020B0503020204020204" pitchFamily="34" charset="-122"/>
                   <a:ea typeface="微软雅黑" panose="020B0503020204020204" pitchFamily="34" charset="-122"/>
-                  <a:hlinkClick r:id="rId3" tooltip="" action="ppaction://hlinkfile"/>
+                  <a:hlinkClick r:id="rId3" action="ppaction://hlinkfile"/>
                 </a:rPr>
                 <a:t>移动端网易云音乐</a:t>
               </a:r>
@@ -5667,7 +5667,7 @@
               <a:rPr sz="1050" b="1">
                 <a:latin typeface="微软雅黑" panose="020B0503020204020204" pitchFamily="34" charset="-122"/>
                 <a:ea typeface="微软雅黑" panose="020B0503020204020204" pitchFamily="34" charset="-122"/>
-                <a:hlinkClick r:id="rId4" tooltip="" action="ppaction://hlinkfile"/>
+                <a:hlinkClick r:id="rId4" action="ppaction://hlinkfile"/>
               </a:rPr>
               <a:t>PC端静态页面</a:t>
             </a:r>
@@ -6143,7 +6143,7 @@
                   <a:rPr sz="1050" b="1">
                     <a:latin typeface="微软雅黑" panose="020B0503020204020204" pitchFamily="34" charset="-122"/>
                     <a:ea typeface="微软雅黑" panose="020B0503020204020204" pitchFamily="34" charset="-122"/>
-                    <a:hlinkClick r:id="rId5" tooltip="" action="ppaction://hlinkfile"/>
+                    <a:hlinkClick r:id="rId5" action="ppaction://hlinkfile"/>
                   </a:rPr>
                   <a:t>响应式页面</a:t>
                 </a:r>
@@ -6722,7 +6722,7 @@
                   <a:rPr sz="900" dirty="0" smtClean="0">
                     <a:latin typeface="微软雅黑" panose="020B0503020204020204" pitchFamily="34" charset="-122"/>
                     <a:ea typeface="微软雅黑" panose="020B0503020204020204" pitchFamily="34" charset="-122"/>
-                    <a:hlinkClick r:id="rId6" tooltip="" action="ppaction://hlinkfile"/>
+                    <a:hlinkClick r:id="rId6" action="ppaction://hlinkfile"/>
                   </a:rPr>
                   <a:t>AJAX加载图片</a:t>
                 </a:r>
@@ -6730,7 +6730,7 @@
                   <a:rPr lang="en-US" sz="900" dirty="0" smtClean="0">
                     <a:latin typeface="微软雅黑" panose="020B0503020204020204" pitchFamily="34" charset="-122"/>
                     <a:ea typeface="微软雅黑" panose="020B0503020204020204" pitchFamily="34" charset="-122"/>
-                    <a:hlinkClick r:id="rId6" tooltip="" action="ppaction://hlinkfile"/>
+                    <a:hlinkClick r:id="rId6" action="ppaction://hlinkfile"/>
                   </a:rPr>
                   <a:t>	</a:t>
                 </a:r>
@@ -6752,7 +6752,7 @@
                     <a:latin typeface="微软雅黑" panose="020B0503020204020204" pitchFamily="34" charset="-122"/>
                     <a:ea typeface="微软雅黑" panose="020B0503020204020204" pitchFamily="34" charset="-122"/>
                     <a:sym typeface="+mn-ea"/>
-                    <a:hlinkClick r:id="rId7" tooltip="" action="ppaction://hlinkfile"/>
+                    <a:hlinkClick r:id="rId7" action="ppaction://hlinkfile"/>
                   </a:rPr>
                   <a:t>轮播组件</a:t>
                 </a:r>
@@ -6768,7 +6768,7 @@
                   <a:rPr lang="en-US" sz="900" dirty="0" smtClean="0">
                     <a:latin typeface="微软雅黑" panose="020B0503020204020204" pitchFamily="34" charset="-122"/>
                     <a:ea typeface="微软雅黑" panose="020B0503020204020204" pitchFamily="34" charset="-122"/>
-                    <a:hlinkClick r:id="rId8" tooltip="" action="ppaction://hlinkfile"/>
+                    <a:hlinkClick r:id="rId8" action="ppaction://hlinkfile"/>
                   </a:rPr>
                   <a:t>&amp; </a:t>
                 </a:r>
@@ -6776,7 +6776,7 @@
                   <a:rPr sz="900" dirty="0" smtClean="0">
                     <a:latin typeface="微软雅黑" panose="020B0503020204020204" pitchFamily="34" charset="-122"/>
                     <a:ea typeface="微软雅黑" panose="020B0503020204020204" pitchFamily="34" charset="-122"/>
-                    <a:hlinkClick r:id="rId8" tooltip="" action="ppaction://hlinkfile"/>
+                    <a:hlinkClick r:id="rId8" action="ppaction://hlinkfile"/>
                   </a:rPr>
                   <a:t>tabs组件</a:t>
                 </a:r>
@@ -6804,7 +6804,7 @@
                   <a:rPr sz="900" dirty="0" smtClean="0">
                     <a:latin typeface="微软雅黑" panose="020B0503020204020204" pitchFamily="34" charset="-122"/>
                     <a:ea typeface="微软雅黑" panose="020B0503020204020204" pitchFamily="34" charset="-122"/>
-                    <a:hlinkClick r:id="rId9" tooltip="" action="ppaction://hlinkfile"/>
+                    <a:hlinkClick r:id="rId9" action="ppaction://hlinkfile"/>
                   </a:rPr>
                   <a:t>3Dhover</a:t>
                 </a:r>
@@ -6826,7 +6826,7 @@
                   <a:rPr sz="900" dirty="0" smtClean="0">
                     <a:latin typeface="微软雅黑" panose="020B0503020204020204" pitchFamily="34" charset="-122"/>
                     <a:ea typeface="微软雅黑" panose="020B0503020204020204" pitchFamily="34" charset="-122"/>
-                    <a:hlinkClick r:id="rId10" tooltip="" action="ppaction://hlinkfile"/>
+                    <a:hlinkClick r:id="rId10" action="ppaction://hlinkfile"/>
                   </a:rPr>
                   <a:t>SVG太极图案</a:t>
                 </a:r>
